--- a/Processus Statistique/Session 1 - Processus Statistique (3).pptx
+++ b/Processus Statistique/Session 1 - Processus Statistique (3).pptx
@@ -274,7 +274,7 @@
               <a:pPr>
                 <a:defRPr/>
               </a:pPr>
-              <a:t>6/29/2021</a:t>
+              <a:t>6/30/2021</a:t>
             </a:fld>
             <a:endParaRPr lang="en-US"/>
           </a:p>
